--- a/paper modification/papers/Paper Overview.pptx
+++ b/paper modification/papers/Paper Overview.pptx
@@ -18,6 +18,7 @@
     <p:sldId id="266" r:id="rId12"/>
     <p:sldId id="268" r:id="rId13"/>
     <p:sldId id="267" r:id="rId14"/>
+    <p:sldId id="269" r:id="rId15"/>
   </p:sldIdLst>
   <p:sldSz cx="12192000" cy="6858000"/>
   <p:notesSz cx="6858000" cy="9144000"/>
@@ -282,7 +283,7 @@
           <a:p>
             <a:fld id="{8BCBBED0-996B-49B4-BAE7-6DDA5ABAC78D}" type="datetimeFigureOut">
               <a:rPr lang="en-US" smtClean="0"/>
-              <a:t>6/18/2025</a:t>
+              <a:t>6/21/2025</a:t>
             </a:fld>
             <a:endParaRPr lang="en-US"/>
           </a:p>
@@ -480,7 +481,7 @@
           <a:p>
             <a:fld id="{8BCBBED0-996B-49B4-BAE7-6DDA5ABAC78D}" type="datetimeFigureOut">
               <a:rPr lang="en-US" smtClean="0"/>
-              <a:t>6/18/2025</a:t>
+              <a:t>6/21/2025</a:t>
             </a:fld>
             <a:endParaRPr lang="en-US"/>
           </a:p>
@@ -688,7 +689,7 @@
           <a:p>
             <a:fld id="{8BCBBED0-996B-49B4-BAE7-6DDA5ABAC78D}" type="datetimeFigureOut">
               <a:rPr lang="en-US" smtClean="0"/>
-              <a:t>6/18/2025</a:t>
+              <a:t>6/21/2025</a:t>
             </a:fld>
             <a:endParaRPr lang="en-US"/>
           </a:p>
@@ -886,7 +887,7 @@
           <a:p>
             <a:fld id="{8BCBBED0-996B-49B4-BAE7-6DDA5ABAC78D}" type="datetimeFigureOut">
               <a:rPr lang="en-US" smtClean="0"/>
-              <a:t>6/18/2025</a:t>
+              <a:t>6/21/2025</a:t>
             </a:fld>
             <a:endParaRPr lang="en-US"/>
           </a:p>
@@ -1161,7 +1162,7 @@
           <a:p>
             <a:fld id="{8BCBBED0-996B-49B4-BAE7-6DDA5ABAC78D}" type="datetimeFigureOut">
               <a:rPr lang="en-US" smtClean="0"/>
-              <a:t>6/18/2025</a:t>
+              <a:t>6/21/2025</a:t>
             </a:fld>
             <a:endParaRPr lang="en-US"/>
           </a:p>
@@ -1426,7 +1427,7 @@
           <a:p>
             <a:fld id="{8BCBBED0-996B-49B4-BAE7-6DDA5ABAC78D}" type="datetimeFigureOut">
               <a:rPr lang="en-US" smtClean="0"/>
-              <a:t>6/18/2025</a:t>
+              <a:t>6/21/2025</a:t>
             </a:fld>
             <a:endParaRPr lang="en-US"/>
           </a:p>
@@ -1838,7 +1839,7 @@
           <a:p>
             <a:fld id="{8BCBBED0-996B-49B4-BAE7-6DDA5ABAC78D}" type="datetimeFigureOut">
               <a:rPr lang="en-US" smtClean="0"/>
-              <a:t>6/18/2025</a:t>
+              <a:t>6/21/2025</a:t>
             </a:fld>
             <a:endParaRPr lang="en-US"/>
           </a:p>
@@ -1979,7 +1980,7 @@
           <a:p>
             <a:fld id="{8BCBBED0-996B-49B4-BAE7-6DDA5ABAC78D}" type="datetimeFigureOut">
               <a:rPr lang="en-US" smtClean="0"/>
-              <a:t>6/18/2025</a:t>
+              <a:t>6/21/2025</a:t>
             </a:fld>
             <a:endParaRPr lang="en-US"/>
           </a:p>
@@ -2092,7 +2093,7 @@
           <a:p>
             <a:fld id="{8BCBBED0-996B-49B4-BAE7-6DDA5ABAC78D}" type="datetimeFigureOut">
               <a:rPr lang="en-US" smtClean="0"/>
-              <a:t>6/18/2025</a:t>
+              <a:t>6/21/2025</a:t>
             </a:fld>
             <a:endParaRPr lang="en-US"/>
           </a:p>
@@ -2403,7 +2404,7 @@
           <a:p>
             <a:fld id="{8BCBBED0-996B-49B4-BAE7-6DDA5ABAC78D}" type="datetimeFigureOut">
               <a:rPr lang="en-US" smtClean="0"/>
-              <a:t>6/18/2025</a:t>
+              <a:t>6/21/2025</a:t>
             </a:fld>
             <a:endParaRPr lang="en-US"/>
           </a:p>
@@ -2691,7 +2692,7 @@
           <a:p>
             <a:fld id="{8BCBBED0-996B-49B4-BAE7-6DDA5ABAC78D}" type="datetimeFigureOut">
               <a:rPr lang="en-US" smtClean="0"/>
-              <a:t>6/18/2025</a:t>
+              <a:t>6/21/2025</a:t>
             </a:fld>
             <a:endParaRPr lang="en-US"/>
           </a:p>
@@ -2932,7 +2933,7 @@
           <a:p>
             <a:fld id="{8BCBBED0-996B-49B4-BAE7-6DDA5ABAC78D}" type="datetimeFigureOut">
               <a:rPr lang="en-US" smtClean="0"/>
-              <a:t>6/18/2025</a:t>
+              <a:t>6/21/2025</a:t>
             </a:fld>
             <a:endParaRPr lang="en-US"/>
           </a:p>
@@ -4570,8 +4571,8 @@
           </a:p>
         </p:txBody>
       </p:sp>
-      <mc:AlternateContent xmlns:mc="http://schemas.openxmlformats.org/markup-compatibility/2006">
-        <mc:Choice xmlns:a14="http://schemas.microsoft.com/office/drawing/2010/main" Requires="a14">
+      <mc:AlternateContent xmlns:mc="http://schemas.openxmlformats.org/markup-compatibility/2006" xmlns:a14="http://schemas.microsoft.com/office/drawing/2010/main">
+        <mc:Choice Requires="a14">
           <p:sp>
             <p:nvSpPr>
               <p:cNvPr id="8" name="Rectangle 7">
@@ -4712,7 +4713,7 @@
             </p:txBody>
           </p:sp>
         </mc:Choice>
-        <mc:Fallback>
+        <mc:Fallback xmlns="">
           <p:sp>
             <p:nvSpPr>
               <p:cNvPr id="8" name="Rectangle 7">
@@ -5239,6 +5240,110 @@
     <p:extLst>
       <p:ext uri="{BB962C8B-B14F-4D97-AF65-F5344CB8AC3E}">
         <p14:creationId xmlns:p14="http://schemas.microsoft.com/office/powerpoint/2010/main" val="1136059799"/>
+      </p:ext>
+    </p:extLst>
+  </p:cSld>
+  <p:clrMapOvr>
+    <a:masterClrMapping/>
+  </p:clrMapOvr>
+</p:sld>
+</file>
+
+<file path=ppt/slides/slide14.xml><?xml version="1.0" encoding="utf-8"?>
+<p:sld xmlns:a="http://schemas.openxmlformats.org/drawingml/2006/main" xmlns:r="http://schemas.openxmlformats.org/officeDocument/2006/relationships" xmlns:p="http://schemas.openxmlformats.org/presentationml/2006/main">
+  <p:cSld>
+    <p:spTree>
+      <p:nvGrpSpPr>
+        <p:cNvPr id="1" name=""/>
+        <p:cNvGrpSpPr/>
+        <p:nvPr/>
+      </p:nvGrpSpPr>
+      <p:grpSpPr>
+        <a:xfrm>
+          <a:off x="0" y="0"/>
+          <a:ext cx="0" cy="0"/>
+          <a:chOff x="0" y="0"/>
+          <a:chExt cx="0" cy="0"/>
+        </a:xfrm>
+      </p:grpSpPr>
+      <p:sp>
+        <p:nvSpPr>
+          <p:cNvPr id="2" name="TextBox 1">
+            <a:extLst>
+              <a:ext uri="{FF2B5EF4-FFF2-40B4-BE49-F238E27FC236}">
+                <a16:creationId xmlns:a16="http://schemas.microsoft.com/office/drawing/2014/main" id="{42498F08-D5BA-4DA2-ACE3-321F2D7701D4}"/>
+              </a:ext>
+            </a:extLst>
+          </p:cNvPr>
+          <p:cNvSpPr txBox="1"/>
+          <p:nvPr/>
+        </p:nvSpPr>
+        <p:spPr>
+          <a:xfrm>
+            <a:off x="195942" y="363894"/>
+            <a:ext cx="10039739" cy="369332"/>
+          </a:xfrm>
+          <a:prstGeom prst="rect">
+            <a:avLst/>
+          </a:prstGeom>
+          <a:noFill/>
+        </p:spPr>
+        <p:txBody>
+          <a:bodyPr wrap="square" rtlCol="0">
+            <a:spAutoFit/>
+          </a:bodyPr>
+          <a:lstStyle/>
+          <a:p>
+            <a:r>
+              <a:rPr lang="en-US" dirty="0"/>
+              <a:t>E </a:t>
+            </a:r>
+            <a:r>
+              <a:rPr lang="en-US" altLang="zh-CN" dirty="0"/>
+              <a:t>field parallel to local magnetic field line has been observed on the earth Van Allen </a:t>
+            </a:r>
+            <a:endParaRPr lang="en-US" dirty="0"/>
+          </a:p>
+        </p:txBody>
+      </p:sp>
+      <p:sp>
+        <p:nvSpPr>
+          <p:cNvPr id="3" name="Rectangle 2">
+            <a:extLst>
+              <a:ext uri="{FF2B5EF4-FFF2-40B4-BE49-F238E27FC236}">
+                <a16:creationId xmlns:a16="http://schemas.microsoft.com/office/drawing/2014/main" id="{DF795DBA-7A55-4B3F-8875-4855F56354DB}"/>
+              </a:ext>
+            </a:extLst>
+          </p:cNvPr>
+          <p:cNvSpPr/>
+          <p:nvPr/>
+        </p:nvSpPr>
+        <p:spPr>
+          <a:xfrm>
+            <a:off x="71535" y="6114185"/>
+            <a:ext cx="11843657" cy="369332"/>
+          </a:xfrm>
+          <a:prstGeom prst="rect">
+            <a:avLst/>
+          </a:prstGeom>
+        </p:spPr>
+        <p:txBody>
+          <a:bodyPr wrap="square">
+            <a:spAutoFit/>
+          </a:bodyPr>
+          <a:lstStyle/>
+          <a:p>
+            <a:r>
+              <a:rPr lang="en-US" dirty="0"/>
+              <a:t>Ref1:Megavolt Parallel Potentials Arising from Double-Layer Streams in the Earth’s Outer Radiation Belt</a:t>
+            </a:r>
+          </a:p>
+        </p:txBody>
+      </p:sp>
+    </p:spTree>
+    <p:extLst>
+      <p:ext uri="{BB962C8B-B14F-4D97-AF65-F5344CB8AC3E}">
+        <p14:creationId xmlns:p14="http://schemas.microsoft.com/office/powerpoint/2010/main" val="1775765151"/>
       </p:ext>
     </p:extLst>
   </p:cSld>
@@ -14199,8 +14304,8 @@
           </a:p>
         </p:txBody>
       </p:sp>
-      <mc:AlternateContent xmlns:mc="http://schemas.openxmlformats.org/markup-compatibility/2006">
-        <mc:Choice xmlns:a14="http://schemas.microsoft.com/office/drawing/2010/main" Requires="a14">
+      <mc:AlternateContent xmlns:mc="http://schemas.openxmlformats.org/markup-compatibility/2006" xmlns:a14="http://schemas.microsoft.com/office/drawing/2010/main">
+        <mc:Choice Requires="a14">
           <p:sp>
             <p:nvSpPr>
               <p:cNvPr id="11" name="Rectangle 10">
@@ -14906,7 +15011,7 @@
             </p:txBody>
           </p:sp>
         </mc:Choice>
-        <mc:Fallback>
+        <mc:Fallback xmlns="">
           <p:sp>
             <p:nvSpPr>
               <p:cNvPr id="11" name="Rectangle 10">
@@ -21726,8 +21831,8 @@
           </a:p>
         </p:txBody>
       </p:sp>
-      <mc:AlternateContent xmlns:mc="http://schemas.openxmlformats.org/markup-compatibility/2006">
-        <mc:Choice xmlns:a14="http://schemas.microsoft.com/office/drawing/2010/main" Requires="a14">
+      <mc:AlternateContent xmlns:mc="http://schemas.openxmlformats.org/markup-compatibility/2006" xmlns:a14="http://schemas.microsoft.com/office/drawing/2010/main">
+        <mc:Choice Requires="a14">
           <p:sp>
             <p:nvSpPr>
               <p:cNvPr id="20" name="Rectangle 19">
@@ -22091,7 +22196,7 @@
             </p:txBody>
           </p:sp>
         </mc:Choice>
-        <mc:Fallback>
+        <mc:Fallback xmlns="">
           <p:sp>
             <p:nvSpPr>
               <p:cNvPr id="20" name="Rectangle 19">
@@ -23109,8 +23214,8 @@
           </a:p>
         </p:txBody>
       </p:sp>
-      <mc:AlternateContent xmlns:mc="http://schemas.openxmlformats.org/markup-compatibility/2006">
-        <mc:Choice xmlns:a14="http://schemas.microsoft.com/office/drawing/2010/main" Requires="a14">
+      <mc:AlternateContent xmlns:mc="http://schemas.openxmlformats.org/markup-compatibility/2006" xmlns:a14="http://schemas.microsoft.com/office/drawing/2010/main">
+        <mc:Choice Requires="a14">
           <p:sp>
             <p:nvSpPr>
               <p:cNvPr id="26" name="Rectangle 25">
@@ -23567,7 +23672,7 @@
             </p:txBody>
           </p:sp>
         </mc:Choice>
-        <mc:Fallback>
+        <mc:Fallback xmlns="">
           <p:sp>
             <p:nvSpPr>
               <p:cNvPr id="26" name="Rectangle 25">
@@ -26455,8 +26560,8 @@
           </p:sp>
         </mc:Fallback>
       </mc:AlternateContent>
-      <mc:AlternateContent xmlns:mc="http://schemas.openxmlformats.org/markup-compatibility/2006">
-        <mc:Choice xmlns:a14="http://schemas.microsoft.com/office/drawing/2010/main" Requires="a14">
+      <mc:AlternateContent xmlns:mc="http://schemas.openxmlformats.org/markup-compatibility/2006" xmlns:a14="http://schemas.microsoft.com/office/drawing/2010/main">
+        <mc:Choice Requires="a14">
           <p:sp>
             <p:nvSpPr>
               <p:cNvPr id="6" name="TextBox 5">
@@ -26566,7 +26671,7 @@
             </p:txBody>
           </p:sp>
         </mc:Choice>
-        <mc:Fallback>
+        <mc:Fallback xmlns="">
           <p:sp>
             <p:nvSpPr>
               <p:cNvPr id="6" name="TextBox 5">
